--- a/Mobile application/Resources/Images/images.pptx
+++ b/Mobile application/Resources/Images/images.pptx
@@ -6,6 +6,7 @@
   </p:sldMasterIdLst>
   <p:sldIdLst>
     <p:sldId id="256" r:id="rId2"/>
+    <p:sldId id="257" r:id="rId3"/>
   </p:sldIdLst>
   <p:sldSz cx="12192000" cy="6858000"/>
   <p:notesSz cx="6858000" cy="9144000"/>
@@ -112,6 +113,11 @@
             <p14:sldId id="256"/>
           </p14:sldIdLst>
         </p14:section>
+        <p14:section name="User" id="{07D59769-CAFF-4853-BB87-603DD184D720}">
+          <p14:sldIdLst>
+            <p14:sldId id="257"/>
+          </p14:sldIdLst>
+        </p14:section>
       </p14:sectionLst>
     </p:ext>
     <p:ext uri="{EFAFB233-063F-42B5-8137-9DF3F51BA10A}">
@@ -268,7 +274,7 @@
           <a:p>
             <a:fld id="{A48D6B0F-BB5D-4A8B-A663-10AAC0605E41}" type="datetimeFigureOut">
               <a:rPr lang="en-US" smtClean="0"/>
-              <a:t>1/8/2025</a:t>
+              <a:t>1/13/2025</a:t>
             </a:fld>
             <a:endParaRPr lang="en-US"/>
           </a:p>
@@ -466,7 +472,7 @@
           <a:p>
             <a:fld id="{A48D6B0F-BB5D-4A8B-A663-10AAC0605E41}" type="datetimeFigureOut">
               <a:rPr lang="en-US" smtClean="0"/>
-              <a:t>1/8/2025</a:t>
+              <a:t>1/13/2025</a:t>
             </a:fld>
             <a:endParaRPr lang="en-US"/>
           </a:p>
@@ -674,7 +680,7 @@
           <a:p>
             <a:fld id="{A48D6B0F-BB5D-4A8B-A663-10AAC0605E41}" type="datetimeFigureOut">
               <a:rPr lang="en-US" smtClean="0"/>
-              <a:t>1/8/2025</a:t>
+              <a:t>1/13/2025</a:t>
             </a:fld>
             <a:endParaRPr lang="en-US"/>
           </a:p>
@@ -872,7 +878,7 @@
           <a:p>
             <a:fld id="{A48D6B0F-BB5D-4A8B-A663-10AAC0605E41}" type="datetimeFigureOut">
               <a:rPr lang="en-US" smtClean="0"/>
-              <a:t>1/8/2025</a:t>
+              <a:t>1/13/2025</a:t>
             </a:fld>
             <a:endParaRPr lang="en-US"/>
           </a:p>
@@ -1147,7 +1153,7 @@
           <a:p>
             <a:fld id="{A48D6B0F-BB5D-4A8B-A663-10AAC0605E41}" type="datetimeFigureOut">
               <a:rPr lang="en-US" smtClean="0"/>
-              <a:t>1/8/2025</a:t>
+              <a:t>1/13/2025</a:t>
             </a:fld>
             <a:endParaRPr lang="en-US"/>
           </a:p>
@@ -1412,7 +1418,7 @@
           <a:p>
             <a:fld id="{A48D6B0F-BB5D-4A8B-A663-10AAC0605E41}" type="datetimeFigureOut">
               <a:rPr lang="en-US" smtClean="0"/>
-              <a:t>1/8/2025</a:t>
+              <a:t>1/13/2025</a:t>
             </a:fld>
             <a:endParaRPr lang="en-US"/>
           </a:p>
@@ -1824,7 +1830,7 @@
           <a:p>
             <a:fld id="{A48D6B0F-BB5D-4A8B-A663-10AAC0605E41}" type="datetimeFigureOut">
               <a:rPr lang="en-US" smtClean="0"/>
-              <a:t>1/8/2025</a:t>
+              <a:t>1/13/2025</a:t>
             </a:fld>
             <a:endParaRPr lang="en-US"/>
           </a:p>
@@ -1965,7 +1971,7 @@
           <a:p>
             <a:fld id="{A48D6B0F-BB5D-4A8B-A663-10AAC0605E41}" type="datetimeFigureOut">
               <a:rPr lang="en-US" smtClean="0"/>
-              <a:t>1/8/2025</a:t>
+              <a:t>1/13/2025</a:t>
             </a:fld>
             <a:endParaRPr lang="en-US"/>
           </a:p>
@@ -2078,7 +2084,7 @@
           <a:p>
             <a:fld id="{A48D6B0F-BB5D-4A8B-A663-10AAC0605E41}" type="datetimeFigureOut">
               <a:rPr lang="en-US" smtClean="0"/>
-              <a:t>1/8/2025</a:t>
+              <a:t>1/13/2025</a:t>
             </a:fld>
             <a:endParaRPr lang="en-US"/>
           </a:p>
@@ -2389,7 +2395,7 @@
           <a:p>
             <a:fld id="{A48D6B0F-BB5D-4A8B-A663-10AAC0605E41}" type="datetimeFigureOut">
               <a:rPr lang="en-US" smtClean="0"/>
-              <a:t>1/8/2025</a:t>
+              <a:t>1/13/2025</a:t>
             </a:fld>
             <a:endParaRPr lang="en-US"/>
           </a:p>
@@ -2677,7 +2683,7 @@
           <a:p>
             <a:fld id="{A48D6B0F-BB5D-4A8B-A663-10AAC0605E41}" type="datetimeFigureOut">
               <a:rPr lang="en-US" smtClean="0"/>
-              <a:t>1/8/2025</a:t>
+              <a:t>1/13/2025</a:t>
             </a:fld>
             <a:endParaRPr lang="en-US"/>
           </a:p>
@@ -2918,7 +2924,7 @@
           <a:p>
             <a:fld id="{A48D6B0F-BB5D-4A8B-A663-10AAC0605E41}" type="datetimeFigureOut">
               <a:rPr lang="en-US" smtClean="0"/>
-              <a:t>1/8/2025</a:t>
+              <a:t>1/13/2025</a:t>
             </a:fld>
             <a:endParaRPr lang="en-US"/>
           </a:p>
@@ -3349,7 +3355,7 @@
         </p:nvSpPr>
         <p:spPr>
           <a:xfrm>
-            <a:off x="2276856" y="1773936"/>
+            <a:off x="0" y="0"/>
             <a:ext cx="1550424" cy="369332"/>
           </a:xfrm>
           <a:prstGeom prst="rect">
@@ -3388,6 +3394,72 @@
     <p:extLst>
       <p:ext uri="{BB962C8B-B14F-4D97-AF65-F5344CB8AC3E}">
         <p14:creationId xmlns:p14="http://schemas.microsoft.com/office/powerpoint/2010/main" val="3754239038"/>
+      </p:ext>
+    </p:extLst>
+  </p:cSld>
+  <p:clrMapOvr>
+    <a:masterClrMapping/>
+  </p:clrMapOvr>
+</p:sld>
+</file>
+
+<file path=ppt/slides/slide2.xml><?xml version="1.0" encoding="utf-8"?>
+<p:sld xmlns:a="http://schemas.openxmlformats.org/drawingml/2006/main" xmlns:r="http://schemas.openxmlformats.org/officeDocument/2006/relationships" xmlns:p="http://schemas.openxmlformats.org/presentationml/2006/main">
+  <p:cSld>
+    <p:spTree>
+      <p:nvGrpSpPr>
+        <p:cNvPr id="1" name=""/>
+        <p:cNvGrpSpPr/>
+        <p:nvPr/>
+      </p:nvGrpSpPr>
+      <p:grpSpPr>
+        <a:xfrm>
+          <a:off x="0" y="0"/>
+          <a:ext cx="0" cy="0"/>
+          <a:chOff x="0" y="0"/>
+          <a:chExt cx="0" cy="0"/>
+        </a:xfrm>
+      </p:grpSpPr>
+      <p:pic>
+        <p:nvPicPr>
+          <p:cNvPr id="5" name="Picture 4">
+            <a:extLst>
+              <a:ext uri="{FF2B5EF4-FFF2-40B4-BE49-F238E27FC236}">
+                <a16:creationId xmlns:a16="http://schemas.microsoft.com/office/drawing/2014/main" id="{353A437E-377F-6E86-D5B4-1A2BFE75436F}"/>
+              </a:ext>
+            </a:extLst>
+          </p:cNvPr>
+          <p:cNvPicPr>
+            <a:picLocks noChangeAspect="1"/>
+          </p:cNvPicPr>
+          <p:nvPr/>
+        </p:nvPicPr>
+        <p:blipFill>
+          <a:blip r:embed="rId2">
+            <a:extLst>
+              <a:ext uri="{28A0092B-C50C-407E-A947-70E740481C1C}">
+                <a14:useLocalDpi xmlns:a14="http://schemas.microsoft.com/office/drawing/2010/main" val="0"/>
+              </a:ext>
+            </a:extLst>
+          </a:blip>
+          <a:stretch>
+            <a:fillRect/>
+          </a:stretch>
+        </p:blipFill>
+        <p:spPr>
+          <a:xfrm>
+            <a:off x="0" y="0"/>
+            <a:ext cx="3600000" cy="3600000"/>
+          </a:xfrm>
+          <a:prstGeom prst="rect">
+            <a:avLst/>
+          </a:prstGeom>
+        </p:spPr>
+      </p:pic>
+    </p:spTree>
+    <p:extLst>
+      <p:ext uri="{BB962C8B-B14F-4D97-AF65-F5344CB8AC3E}">
+        <p14:creationId xmlns:p14="http://schemas.microsoft.com/office/powerpoint/2010/main" val="3446895540"/>
       </p:ext>
     </p:extLst>
   </p:cSld>
